--- a/images/ringbuffer_new.pptx
+++ b/images/ringbuffer_new.pptx
@@ -259,7 +259,7 @@
           <a:p>
             <a:fld id="{B5E93C37-313B-4B6D-8C4A-560EC396D872}" type="datetimeFigureOut">
               <a:rPr lang="en-US" smtClean="0"/>
-              <a:t>1/22/2019</a:t>
+              <a:t>1/27/19</a:t>
             </a:fld>
             <a:endParaRPr lang="en-US"/>
           </a:p>
@@ -457,7 +457,7 @@
           <a:p>
             <a:fld id="{B5E93C37-313B-4B6D-8C4A-560EC396D872}" type="datetimeFigureOut">
               <a:rPr lang="en-US" smtClean="0"/>
-              <a:t>1/22/2019</a:t>
+              <a:t>1/27/19</a:t>
             </a:fld>
             <a:endParaRPr lang="en-US"/>
           </a:p>
@@ -665,7 +665,7 @@
           <a:p>
             <a:fld id="{B5E93C37-313B-4B6D-8C4A-560EC396D872}" type="datetimeFigureOut">
               <a:rPr lang="en-US" smtClean="0"/>
-              <a:t>1/22/2019</a:t>
+              <a:t>1/27/19</a:t>
             </a:fld>
             <a:endParaRPr lang="en-US"/>
           </a:p>
@@ -863,7 +863,7 @@
           <a:p>
             <a:fld id="{B5E93C37-313B-4B6D-8C4A-560EC396D872}" type="datetimeFigureOut">
               <a:rPr lang="en-US" smtClean="0"/>
-              <a:t>1/22/2019</a:t>
+              <a:t>1/27/19</a:t>
             </a:fld>
             <a:endParaRPr lang="en-US"/>
           </a:p>
@@ -1138,7 +1138,7 @@
           <a:p>
             <a:fld id="{B5E93C37-313B-4B6D-8C4A-560EC396D872}" type="datetimeFigureOut">
               <a:rPr lang="en-US" smtClean="0"/>
-              <a:t>1/22/2019</a:t>
+              <a:t>1/27/19</a:t>
             </a:fld>
             <a:endParaRPr lang="en-US"/>
           </a:p>
@@ -1403,7 +1403,7 @@
           <a:p>
             <a:fld id="{B5E93C37-313B-4B6D-8C4A-560EC396D872}" type="datetimeFigureOut">
               <a:rPr lang="en-US" smtClean="0"/>
-              <a:t>1/22/2019</a:t>
+              <a:t>1/27/19</a:t>
             </a:fld>
             <a:endParaRPr lang="en-US"/>
           </a:p>
@@ -1815,7 +1815,7 @@
           <a:p>
             <a:fld id="{B5E93C37-313B-4B6D-8C4A-560EC396D872}" type="datetimeFigureOut">
               <a:rPr lang="en-US" smtClean="0"/>
-              <a:t>1/22/2019</a:t>
+              <a:t>1/27/19</a:t>
             </a:fld>
             <a:endParaRPr lang="en-US"/>
           </a:p>
@@ -1956,7 +1956,7 @@
           <a:p>
             <a:fld id="{B5E93C37-313B-4B6D-8C4A-560EC396D872}" type="datetimeFigureOut">
               <a:rPr lang="en-US" smtClean="0"/>
-              <a:t>1/22/2019</a:t>
+              <a:t>1/27/19</a:t>
             </a:fld>
             <a:endParaRPr lang="en-US"/>
           </a:p>
@@ -2069,7 +2069,7 @@
           <a:p>
             <a:fld id="{B5E93C37-313B-4B6D-8C4A-560EC396D872}" type="datetimeFigureOut">
               <a:rPr lang="en-US" smtClean="0"/>
-              <a:t>1/22/2019</a:t>
+              <a:t>1/27/19</a:t>
             </a:fld>
             <a:endParaRPr lang="en-US"/>
           </a:p>
@@ -2380,7 +2380,7 @@
           <a:p>
             <a:fld id="{B5E93C37-313B-4B6D-8C4A-560EC396D872}" type="datetimeFigureOut">
               <a:rPr lang="en-US" smtClean="0"/>
-              <a:t>1/22/2019</a:t>
+              <a:t>1/27/19</a:t>
             </a:fld>
             <a:endParaRPr lang="en-US"/>
           </a:p>
@@ -2668,7 +2668,7 @@
           <a:p>
             <a:fld id="{B5E93C37-313B-4B6D-8C4A-560EC396D872}" type="datetimeFigureOut">
               <a:rPr lang="en-US" smtClean="0"/>
-              <a:t>1/22/2019</a:t>
+              <a:t>1/27/19</a:t>
             </a:fld>
             <a:endParaRPr lang="en-US"/>
           </a:p>
@@ -2909,7 +2909,7 @@
           <a:p>
             <a:fld id="{B5E93C37-313B-4B6D-8C4A-560EC396D872}" type="datetimeFigureOut">
               <a:rPr lang="en-US" smtClean="0"/>
-              <a:t>1/22/2019</a:t>
+              <a:t>1/27/19</a:t>
             </a:fld>
             <a:endParaRPr lang="en-US"/>
           </a:p>
@@ -3966,6 +3966,83 @@
           </a:p>
         </p:txBody>
       </p:sp>
+      <p:sp>
+        <p:nvSpPr>
+          <p:cNvPr id="17" name="TextBox 72">
+            <a:extLst>
+              <a:ext uri="{FF2B5EF4-FFF2-40B4-BE49-F238E27FC236}">
+                <a16:creationId xmlns:a16="http://schemas.microsoft.com/office/drawing/2014/main" id="{12D4441D-FD6C-4A45-9A67-712A515DD890}"/>
+              </a:ext>
+            </a:extLst>
+          </p:cNvPr>
+          <p:cNvSpPr txBox="1"/>
+          <p:nvPr/>
+        </p:nvSpPr>
+        <p:spPr>
+          <a:xfrm>
+            <a:off x="3922347" y="1524326"/>
+            <a:ext cx="1159741" cy="369332"/>
+          </a:xfrm>
+          <a:prstGeom prst="rect">
+            <a:avLst/>
+          </a:prstGeom>
+          <a:noFill/>
+        </p:spPr>
+        <p:txBody>
+          <a:bodyPr wrap="none" rtlCol="0">
+            <a:spAutoFit/>
+          </a:bodyPr>
+          <a:lstStyle/>
+          <a:p>
+            <a:r>
+              <a:rPr lang="en-US" dirty="0" err="1"/>
+              <a:t>send_next</a:t>
+            </a:r>
+            <a:endParaRPr lang="en-US" dirty="0"/>
+          </a:p>
+        </p:txBody>
+      </p:sp>
+      <p:cxnSp>
+        <p:nvCxnSpPr>
+          <p:cNvPr id="18" name="Straight Arrow Connector 83">
+            <a:extLst>
+              <a:ext uri="{FF2B5EF4-FFF2-40B4-BE49-F238E27FC236}">
+                <a16:creationId xmlns:a16="http://schemas.microsoft.com/office/drawing/2014/main" id="{60607B56-676D-5C46-B21F-F0651DAEFF3F}"/>
+              </a:ext>
+            </a:extLst>
+          </p:cNvPr>
+          <p:cNvCxnSpPr>
+            <a:cxnSpLocks/>
+          </p:cNvCxnSpPr>
+          <p:nvPr/>
+        </p:nvCxnSpPr>
+        <p:spPr>
+          <a:xfrm flipH="1">
+            <a:off x="4132505" y="1841869"/>
+            <a:ext cx="306366" cy="175328"/>
+          </a:xfrm>
+          <a:prstGeom prst="straightConnector1">
+            <a:avLst/>
+          </a:prstGeom>
+          <a:ln w="19050">
+            <a:tailEnd type="triangle"/>
+          </a:ln>
+        </p:spPr>
+        <p:style>
+          <a:lnRef idx="1">
+            <a:schemeClr val="dk1"/>
+          </a:lnRef>
+          <a:fillRef idx="0">
+            <a:schemeClr val="dk1"/>
+          </a:fillRef>
+          <a:effectRef idx="0">
+            <a:schemeClr val="dk1"/>
+          </a:effectRef>
+          <a:fontRef idx="minor">
+            <a:schemeClr val="tx1"/>
+          </a:fontRef>
+        </p:style>
+      </p:cxnSp>
     </p:spTree>
     <p:extLst>
       <p:ext uri="{BB962C8B-B14F-4D97-AF65-F5344CB8AC3E}">
